--- a/PowerPoints/PowerPoint(IA).pptx
+++ b/PowerPoints/PowerPoint(IA).pptx
@@ -126,6 +126,22 @@
       </a:defRPr>
     </a:lvl9pPr>
   </p:defaultTextStyle>
+  <p:extLst>
+    <p:ext uri="{EFAFB233-063F-42B5-8137-9DF3F51BA10A}">
+      <p15:sldGuideLst xmlns:p15="http://schemas.microsoft.com/office/powerpoint/2012/main">
+        <p15:guide id="1" orient="horz" pos="2160">
+          <p15:clr>
+            <a:srgbClr val="A4A3A4"/>
+          </p15:clr>
+        </p15:guide>
+        <p15:guide id="2" pos="2880">
+          <p15:clr>
+            <a:srgbClr val="A4A3A4"/>
+          </p15:clr>
+        </p15:guide>
+      </p15:sldGuideLst>
+    </p:ext>
+  </p:extLst>
 </p:presentation>
 </file>
 
@@ -211,7 +227,7 @@
           <a:p>
             <a:fld id="{3F321E01-A684-455C-AE51-B33F3543479E}" type="datetimeFigureOut">
               <a:rPr lang="en-US" smtClean="0"/>
-              <a:t>11/7/2014</a:t>
+              <a:t>11/8/2014</a:t>
             </a:fld>
             <a:endParaRPr lang="en-US"/>
           </a:p>
@@ -697,7 +713,7 @@
           <a:p>
             <a:fld id="{901E63AF-4FF2-4E80-93DF-B771A5F9D63A}" type="datetimeFigureOut">
               <a:rPr lang="en-US" smtClean="0"/>
-              <a:t>11/7/2014</a:t>
+              <a:t>11/8/2014</a:t>
             </a:fld>
             <a:endParaRPr lang="en-US"/>
           </a:p>
@@ -1010,7 +1026,7 @@
           <a:p>
             <a:fld id="{901E63AF-4FF2-4E80-93DF-B771A5F9D63A}" type="datetimeFigureOut">
               <a:rPr lang="en-US" smtClean="0"/>
-              <a:t>11/7/2014</a:t>
+              <a:t>11/8/2014</a:t>
             </a:fld>
             <a:endParaRPr lang="en-US"/>
           </a:p>
@@ -1195,7 +1211,7 @@
           <a:p>
             <a:fld id="{901E63AF-4FF2-4E80-93DF-B771A5F9D63A}" type="datetimeFigureOut">
               <a:rPr lang="en-US" smtClean="0"/>
-              <a:t>11/7/2014</a:t>
+              <a:t>11/8/2014</a:t>
             </a:fld>
             <a:endParaRPr lang="en-US"/>
           </a:p>
@@ -1370,7 +1386,7 @@
           <a:p>
             <a:fld id="{901E63AF-4FF2-4E80-93DF-B771A5F9D63A}" type="datetimeFigureOut">
               <a:rPr lang="en-US" smtClean="0"/>
-              <a:t>11/7/2014</a:t>
+              <a:t>11/8/2014</a:t>
             </a:fld>
             <a:endParaRPr lang="en-US"/>
           </a:p>
@@ -1638,7 +1654,7 @@
           <a:p>
             <a:fld id="{901E63AF-4FF2-4E80-93DF-B771A5F9D63A}" type="datetimeFigureOut">
               <a:rPr lang="en-US" smtClean="0"/>
-              <a:t>11/7/2014</a:t>
+              <a:t>11/8/2014</a:t>
             </a:fld>
             <a:endParaRPr lang="en-US"/>
           </a:p>
@@ -2106,7 +2122,7 @@
           <a:p>
             <a:fld id="{901E63AF-4FF2-4E80-93DF-B771A5F9D63A}" type="datetimeFigureOut">
               <a:rPr lang="en-US" smtClean="0"/>
-              <a:t>11/7/2014</a:t>
+              <a:t>11/8/2014</a:t>
             </a:fld>
             <a:endParaRPr lang="en-US"/>
           </a:p>
@@ -2595,7 +2611,7 @@
           <a:p>
             <a:fld id="{901E63AF-4FF2-4E80-93DF-B771A5F9D63A}" type="datetimeFigureOut">
               <a:rPr lang="en-US" smtClean="0"/>
-              <a:t>11/7/2014</a:t>
+              <a:t>11/8/2014</a:t>
             </a:fld>
             <a:endParaRPr lang="en-US"/>
           </a:p>
@@ -2721,7 +2737,7 @@
           <a:p>
             <a:fld id="{901E63AF-4FF2-4E80-93DF-B771A5F9D63A}" type="datetimeFigureOut">
               <a:rPr lang="en-US" smtClean="0"/>
-              <a:t>11/7/2014</a:t>
+              <a:t>11/8/2014</a:t>
             </a:fld>
             <a:endParaRPr lang="en-US"/>
           </a:p>
@@ -2865,7 +2881,7 @@
           <a:p>
             <a:fld id="{901E63AF-4FF2-4E80-93DF-B771A5F9D63A}" type="datetimeFigureOut">
               <a:rPr lang="en-US" smtClean="0"/>
-              <a:t>11/7/2014</a:t>
+              <a:t>11/8/2014</a:t>
             </a:fld>
             <a:endParaRPr lang="en-US"/>
           </a:p>
@@ -3187,7 +3203,7 @@
           <a:p>
             <a:fld id="{901E63AF-4FF2-4E80-93DF-B771A5F9D63A}" type="datetimeFigureOut">
               <a:rPr lang="en-US" smtClean="0"/>
-              <a:t>11/7/2014</a:t>
+              <a:t>11/8/2014</a:t>
             </a:fld>
             <a:endParaRPr lang="en-US"/>
           </a:p>
@@ -3321,7 +3337,7 @@
           <a:p>
             <a:fld id="{901E63AF-4FF2-4E80-93DF-B771A5F9D63A}" type="datetimeFigureOut">
               <a:rPr lang="en-US" smtClean="0"/>
-              <a:t>11/7/2014</a:t>
+              <a:t>11/8/2014</a:t>
             </a:fld>
             <a:endParaRPr lang="en-US"/>
           </a:p>
@@ -4102,7 +4118,7 @@
           <a:p>
             <a:fld id="{901E63AF-4FF2-4E80-93DF-B771A5F9D63A}" type="datetimeFigureOut">
               <a:rPr lang="en-US" smtClean="0"/>
-              <a:t>11/7/2014</a:t>
+              <a:t>11/8/2014</a:t>
             </a:fld>
             <a:endParaRPr lang="en-US"/>
           </a:p>
@@ -8950,25 +8966,31 @@
               <a:rPr lang="fa-IR" sz="3200" dirty="0">
                 <a:cs typeface="B Nazanin" pitchFamily="2" charset="-78"/>
               </a:rPr>
-              <a:t>به عنوان طراحی لوگو برای انواع و اقسام اهداف تجاری </a:t>
-            </a:r>
-            <a:endParaRPr lang="fa-IR" sz="3200" dirty="0" smtClean="0">
-              <a:cs typeface="B Nazanin" pitchFamily="2" charset="-78"/>
-            </a:endParaRPr>
-          </a:p>
-          <a:p>
-            <a:pPr algn="r" rtl="1"/>
-            <a:endParaRPr lang="fa-IR" sz="3200" dirty="0">
-              <a:cs typeface="B Nazanin" pitchFamily="2" charset="-78"/>
-            </a:endParaRPr>
-          </a:p>
-          <a:p>
-            <a:pPr algn="r" rtl="1"/>
+              <a:t>به عنوان طراحی </a:t>
+            </a:r>
             <a:r>
               <a:rPr lang="fa-IR" sz="3200" dirty="0" smtClean="0">
                 <a:cs typeface="B Nazanin" pitchFamily="2" charset="-78"/>
               </a:rPr>
-              <a:t>میسر </a:t>
+              <a:t>های متنوع</a:t>
+            </a:r>
+            <a:r>
+              <a:rPr lang="fa-IR" sz="3200" dirty="0" smtClean="0">
+                <a:cs typeface="B Nazanin" pitchFamily="2" charset="-78"/>
+              </a:rPr>
+              <a:t> </a:t>
+            </a:r>
+            <a:r>
+              <a:rPr lang="fa-IR" sz="3200" dirty="0">
+                <a:cs typeface="B Nazanin" pitchFamily="2" charset="-78"/>
+              </a:rPr>
+              <a:t>برای انواع و اقسام </a:t>
+            </a:r>
+            <a:r>
+              <a:rPr lang="fa-IR" sz="3200" dirty="0" smtClean="0">
+                <a:cs typeface="B Nazanin" pitchFamily="2" charset="-78"/>
+              </a:rPr>
+              <a:t>اهداف تجاری میسر </a:t>
             </a:r>
             <a:r>
               <a:rPr lang="fa-IR" sz="3200" dirty="0">
@@ -9429,7 +9451,31 @@
               <a:rPr lang="fa-IR" sz="3200" dirty="0">
                 <a:cs typeface="B Nazanin" pitchFamily="2" charset="-78"/>
               </a:rPr>
-              <a:t>به این طریق که کارفرما پس از ثبت نام درخواست طرح لوگویی </a:t>
+              <a:t>به این طریق که کارفرما پس از ثبت نام درخواست </a:t>
+            </a:r>
+            <a:r>
+              <a:rPr lang="fa-IR" sz="3200" dirty="0" smtClean="0">
+                <a:cs typeface="B Nazanin" pitchFamily="2" charset="-78"/>
+              </a:rPr>
+              <a:t>طرح</a:t>
+            </a:r>
+            <a:r>
+              <a:rPr lang="fa-IR" sz="3200" dirty="0">
+                <a:cs typeface="B Nazanin" pitchFamily="2" charset="-78"/>
+              </a:rPr>
+              <a:t> </a:t>
+            </a:r>
+            <a:r>
+              <a:rPr lang="fa-IR" sz="3200" dirty="0" smtClean="0">
+                <a:cs typeface="B Nazanin" pitchFamily="2" charset="-78"/>
+              </a:rPr>
+              <a:t>را </a:t>
+            </a:r>
+            <a:r>
+              <a:rPr lang="fa-IR" sz="3200" dirty="0">
+                <a:cs typeface="B Nazanin" pitchFamily="2" charset="-78"/>
+              </a:rPr>
+              <a:t>در </a:t>
             </a:r>
             <a:endParaRPr lang="fa-IR" sz="3200" dirty="0" smtClean="0">
               <a:cs typeface="B Nazanin" pitchFamily="2" charset="-78"/>
@@ -9447,13 +9493,13 @@
               <a:rPr lang="fa-IR" sz="3200" dirty="0" smtClean="0">
                 <a:cs typeface="B Nazanin" pitchFamily="2" charset="-78"/>
               </a:rPr>
-              <a:t>را </a:t>
+              <a:t>سایت </a:t>
             </a:r>
             <a:r>
               <a:rPr lang="fa-IR" sz="3200" dirty="0">
                 <a:cs typeface="B Nazanin" pitchFamily="2" charset="-78"/>
               </a:rPr>
-              <a:t>در سایت ثبت می کند و طراح مورد نظر نیز پس از ثبت نام و </a:t>
+              <a:t>ثبت می کند و طراح مورد نظر نیز پس از ثبت نام و </a:t>
             </a:r>
             <a:endParaRPr lang="fa-IR" sz="3200" dirty="0" smtClean="0">
               <a:cs typeface="B Nazanin" pitchFamily="2" charset="-78"/>
